--- a/storage/app/public/slide/VFL - Fa nantsoinao.pptx
+++ b/storage/app/public/slide/VFL - Fa nantsoinao.pptx
@@ -217,7 +217,7 @@
             <a:fld id="{CF2D4F5C-9B36-42AE-A85A-C3FFC097BB74}" type="datetimeFigureOut">
               <a:rPr lang="fr-FR" smtClean="0"/>
               <a:pPr/>
-              <a:t>02/11/2023</a:t>
+              <a:t>12/11/2023</a:t>
             </a:fld>
             <a:endParaRPr lang="fr-FR"/>
           </a:p>
@@ -433,7 +433,7 @@
             <a:fld id="{40FD9962-9EE1-4E5F-8E12-1CDFF32D8839}" type="datetimeFigureOut">
               <a:rPr lang="fr-FR" smtClean="0"/>
               <a:pPr/>
-              <a:t>02/11/2023</a:t>
+              <a:t>12/11/2023</a:t>
             </a:fld>
             <a:endParaRPr lang="fr-FR"/>
           </a:p>
@@ -605,7 +605,7 @@
             <a:fld id="{40FD9962-9EE1-4E5F-8E12-1CDFF32D8839}" type="datetimeFigureOut">
               <a:rPr lang="fr-FR" smtClean="0"/>
               <a:pPr/>
-              <a:t>02/11/2023</a:t>
+              <a:t>12/11/2023</a:t>
             </a:fld>
             <a:endParaRPr lang="fr-FR"/>
           </a:p>
@@ -787,7 +787,7 @@
             <a:fld id="{40FD9962-9EE1-4E5F-8E12-1CDFF32D8839}" type="datetimeFigureOut">
               <a:rPr lang="fr-FR" smtClean="0"/>
               <a:pPr/>
-              <a:t>02/11/2023</a:t>
+              <a:t>12/11/2023</a:t>
             </a:fld>
             <a:endParaRPr lang="fr-FR"/>
           </a:p>
@@ -959,7 +959,7 @@
             <a:fld id="{7155A18F-AA42-46CD-9161-F3F2B32E9395}" type="datetimeFigureOut">
               <a:rPr lang="fr-FR" smtClean="0"/>
               <a:pPr/>
-              <a:t>02/11/2023</a:t>
+              <a:t>12/11/2023</a:t>
             </a:fld>
             <a:endParaRPr lang="fr-FR"/>
           </a:p>
@@ -1131,7 +1131,7 @@
             <a:fld id="{40FD9962-9EE1-4E5F-8E12-1CDFF32D8839}" type="datetimeFigureOut">
               <a:rPr lang="fr-FR" smtClean="0"/>
               <a:pPr/>
-              <a:t>02/11/2023</a:t>
+              <a:t>12/11/2023</a:t>
             </a:fld>
             <a:endParaRPr lang="fr-FR"/>
           </a:p>
@@ -1384,7 +1384,7 @@
             <a:fld id="{40FD9962-9EE1-4E5F-8E12-1CDFF32D8839}" type="datetimeFigureOut">
               <a:rPr lang="fr-FR" smtClean="0"/>
               <a:pPr/>
-              <a:t>02/11/2023</a:t>
+              <a:t>12/11/2023</a:t>
             </a:fld>
             <a:endParaRPr lang="fr-FR"/>
           </a:p>
@@ -1618,7 +1618,7 @@
             <a:fld id="{40FD9962-9EE1-4E5F-8E12-1CDFF32D8839}" type="datetimeFigureOut">
               <a:rPr lang="fr-FR" smtClean="0"/>
               <a:pPr/>
-              <a:t>02/11/2023</a:t>
+              <a:t>12/11/2023</a:t>
             </a:fld>
             <a:endParaRPr lang="fr-FR"/>
           </a:p>
@@ -1996,7 +1996,7 @@
             <a:fld id="{40FD9962-9EE1-4E5F-8E12-1CDFF32D8839}" type="datetimeFigureOut">
               <a:rPr lang="fr-FR" smtClean="0"/>
               <a:pPr/>
-              <a:t>02/11/2023</a:t>
+              <a:t>12/11/2023</a:t>
             </a:fld>
             <a:endParaRPr lang="fr-FR"/>
           </a:p>
@@ -2123,7 +2123,7 @@
             <a:fld id="{40FD9962-9EE1-4E5F-8E12-1CDFF32D8839}" type="datetimeFigureOut">
               <a:rPr lang="fr-FR" smtClean="0"/>
               <a:pPr/>
-              <a:t>02/11/2023</a:t>
+              <a:t>12/11/2023</a:t>
             </a:fld>
             <a:endParaRPr lang="fr-FR"/>
           </a:p>
@@ -2227,7 +2227,7 @@
             <a:fld id="{40FD9962-9EE1-4E5F-8E12-1CDFF32D8839}" type="datetimeFigureOut">
               <a:rPr lang="fr-FR" smtClean="0"/>
               <a:pPr/>
-              <a:t>02/11/2023</a:t>
+              <a:t>12/11/2023</a:t>
             </a:fld>
             <a:endParaRPr lang="fr-FR"/>
           </a:p>
@@ -2506,7 +2506,7 @@
             <a:fld id="{40FD9962-9EE1-4E5F-8E12-1CDFF32D8839}" type="datetimeFigureOut">
               <a:rPr lang="fr-FR" smtClean="0"/>
               <a:pPr/>
-              <a:t>02/11/2023</a:t>
+              <a:t>12/11/2023</a:t>
             </a:fld>
             <a:endParaRPr lang="fr-FR"/>
           </a:p>
@@ -2772,7 +2772,7 @@
             <a:fld id="{40FD9962-9EE1-4E5F-8E12-1CDFF32D8839}" type="datetimeFigureOut">
               <a:rPr lang="fr-FR" smtClean="0"/>
               <a:pPr/>
-              <a:t>02/11/2023</a:t>
+              <a:t>12/11/2023</a:t>
             </a:fld>
             <a:endParaRPr lang="fr-FR"/>
           </a:p>
@@ -2990,7 +2990,7 @@
             <a:fld id="{40FD9962-9EE1-4E5F-8E12-1CDFF32D8839}" type="datetimeFigureOut">
               <a:rPr lang="fr-FR" smtClean="0"/>
               <a:pPr/>
-              <a:t>02/11/2023</a:t>
+              <a:t>12/11/2023</a:t>
             </a:fld>
             <a:endParaRPr lang="fr-FR"/>
           </a:p>
